--- a/High_level_architechture/Credit Lending HLA.pptx
+++ b/High_level_architechture/Credit Lending HLA.pptx
@@ -108,6 +108,11 @@
       </a:defRPr>
     </a:lvl9pPr>
   </p:defaultTextStyle>
+  <p:extLst>
+    <p:ext uri="{EFAFB233-063F-42B5-8137-9DF3F51BA10A}">
+      <p15:sldGuideLst xmlns:p15="http://schemas.microsoft.com/office/powerpoint/2012/main"/>
+    </p:ext>
+  </p:extLst>
 </p:presentation>
 </file>
 
@@ -3704,7 +3709,7 @@
           <a:p>
             <a:r>
               <a:rPr lang="en-GB" b="1" dirty="0"/>
-              <a:t>Components</a:t>
+              <a:t>Tools Used</a:t>
             </a:r>
             <a:endParaRPr lang="en-NL" b="1" dirty="0"/>
           </a:p>
@@ -3765,7 +3770,7 @@
         <p:spPr/>
         <p:txBody>
           <a:bodyPr>
-            <a:normAutofit fontScale="92500" lnSpcReduction="10000"/>
+            <a:normAutofit/>
           </a:bodyPr>
           <a:lstStyle/>
           <a:p>
@@ -3781,7 +3786,7 @@
                   <a:srgbClr val="008080"/>
                 </a:highlight>
               </a:rPr>
-              <a:t>Ingestion → Storage(ADLS 2):</a:t>
+              <a:t>Ingestion:</a:t>
             </a:r>
             <a:endParaRPr lang="en-GB" b="1" dirty="0">
               <a:solidFill>
@@ -3799,7 +3804,55 @@
               <a:buChar char="•"/>
             </a:pPr>
             <a:r>
-              <a:rPr lang="en-GB" sz="2200" b="1" i="0" dirty="0">
+              <a:rPr lang="en-GB" sz="1600" dirty="0"/>
+              <a:t>Ingestion using </a:t>
+            </a:r>
+            <a:r>
+              <a:rPr lang="en-GB" sz="1600" b="1" dirty="0"/>
+              <a:t>Azure Data Lake Storage Gen2 (ADLS Gen2)</a:t>
+            </a:r>
+            <a:r>
+              <a:rPr lang="en-GB" sz="1600" dirty="0"/>
+              <a:t> to process structured or unstructured data from various sources into ADLS Gen2 for storage.</a:t>
+            </a:r>
+          </a:p>
+          <a:p>
+            <a:pPr algn="l">
+              <a:buFont typeface="Arial" panose="020B0604020202020204" pitchFamily="34" charset="0"/>
+              <a:buChar char="•"/>
+            </a:pPr>
+            <a:endParaRPr lang="en-GB" sz="1600" b="1" dirty="0">
+              <a:solidFill>
+                <a:schemeClr val="bg2"/>
+              </a:solidFill>
+              <a:highlight>
+                <a:srgbClr val="008080"/>
+              </a:highlight>
+            </a:endParaRPr>
+          </a:p>
+          <a:p>
+            <a:pPr marL="0" indent="0" algn="l">
+              <a:buNone/>
+            </a:pPr>
+            <a:r>
+              <a:rPr lang="en-GB" b="1" dirty="0">
+                <a:solidFill>
+                  <a:schemeClr val="bg2"/>
+                </a:solidFill>
+                <a:highlight>
+                  <a:srgbClr val="008080"/>
+                </a:highlight>
+              </a:rPr>
+              <a:t>Processing:</a:t>
+            </a:r>
+          </a:p>
+          <a:p>
+            <a:pPr algn="l">
+              <a:buFont typeface="Arial" panose="020B0604020202020204" pitchFamily="34" charset="0"/>
+              <a:buChar char="•"/>
+            </a:pPr>
+            <a:r>
+              <a:rPr lang="en-GB" sz="1600" i="0" dirty="0">
                 <a:solidFill>
                   <a:srgbClr val="0D0D0D"/>
                 </a:solidFill>
@@ -3809,10 +3862,10 @@
                 </a:highlight>
                 <a:latin typeface="Söhne"/>
               </a:rPr>
-              <a:t>ADF</a:t>
-            </a:r>
-            <a:r>
-              <a:rPr lang="en-GB" sz="2200" b="0" i="0" dirty="0">
+              <a:t>Using </a:t>
+            </a:r>
+            <a:r>
+              <a:rPr lang="en-GB" sz="1600" b="1" i="0" dirty="0" err="1">
                 <a:solidFill>
                   <a:srgbClr val="0D0D0D"/>
                 </a:solidFill>
@@ -3822,16 +3875,10 @@
                 </a:highlight>
                 <a:latin typeface="Söhne"/>
               </a:rPr>
-              <a:t>: Manages and automates data pipelines(Schedule Triggers).</a:t>
-            </a:r>
-          </a:p>
-          <a:p>
-            <a:pPr algn="l">
-              <a:buFont typeface="Arial" panose="020B0604020202020204" pitchFamily="34" charset="0"/>
-              <a:buChar char="•"/>
-            </a:pPr>
-            <a:r>
-              <a:rPr lang="en-GB" sz="2200" b="1" i="0" dirty="0">
+              <a:t>Databrics</a:t>
+            </a:r>
+            <a:r>
+              <a:rPr lang="en-GB" sz="1600" b="1" i="0" dirty="0">
                 <a:solidFill>
                   <a:srgbClr val="0D0D0D"/>
                 </a:solidFill>
@@ -3841,123 +3888,19 @@
                 </a:highlight>
                 <a:latin typeface="Söhne"/>
               </a:rPr>
-              <a:t>Event Hubs</a:t>
-            </a:r>
-            <a:r>
-              <a:rPr lang="en-GB" sz="2200" b="0" i="0" dirty="0">
+              <a:t> </a:t>
+            </a:r>
+            <a:r>
+              <a:rPr lang="en-GB" sz="1600" dirty="0">
                 <a:solidFill>
                   <a:srgbClr val="0D0D0D"/>
                 </a:solidFill>
-                <a:effectLst/>
                 <a:highlight>
                   <a:srgbClr val="FFFFFF"/>
                 </a:highlight>
                 <a:latin typeface="Söhne"/>
               </a:rPr>
-              <a:t>: Handles real-time data intake</a:t>
-            </a:r>
-            <a:r>
-              <a:rPr lang="en-GB" b="0" i="0" dirty="0">
-                <a:solidFill>
-                  <a:srgbClr val="0D0D0D"/>
-                </a:solidFill>
-                <a:effectLst/>
-                <a:highlight>
-                  <a:srgbClr val="FFFFFF"/>
-                </a:highlight>
-                <a:latin typeface="Söhne"/>
-              </a:rPr>
-              <a:t>.</a:t>
-            </a:r>
-          </a:p>
-          <a:p>
-            <a:pPr marL="0" indent="0">
-              <a:buNone/>
-            </a:pPr>
-            <a:endParaRPr lang="en-GB" b="1" dirty="0">
-              <a:solidFill>
-                <a:schemeClr val="bg2"/>
-              </a:solidFill>
-            </a:endParaRPr>
-          </a:p>
-          <a:p>
-            <a:pPr marL="0" indent="0">
-              <a:buNone/>
-            </a:pPr>
-            <a:r>
-              <a:rPr lang="en-GB" b="1" dirty="0">
-                <a:solidFill>
-                  <a:schemeClr val="bg2"/>
-                </a:solidFill>
-                <a:highlight>
-                  <a:srgbClr val="008080"/>
-                </a:highlight>
-              </a:rPr>
-              <a:t>Storage → Processing:</a:t>
-            </a:r>
-          </a:p>
-          <a:p>
-            <a:pPr algn="l">
-              <a:buFont typeface="Arial" panose="020B0604020202020204" pitchFamily="34" charset="0"/>
-              <a:buChar char="•"/>
-            </a:pPr>
-            <a:r>
-              <a:rPr lang="en-GB" sz="2200" b="1" i="0" dirty="0">
-                <a:solidFill>
-                  <a:srgbClr val="0D0D0D"/>
-                </a:solidFill>
-                <a:effectLst/>
-                <a:highlight>
-                  <a:srgbClr val="FFFFFF"/>
-                </a:highlight>
-                <a:latin typeface="Söhne"/>
-              </a:rPr>
-              <a:t>Databricks</a:t>
-            </a:r>
-            <a:r>
-              <a:rPr lang="en-GB" sz="2200" b="0" i="0" dirty="0">
-                <a:solidFill>
-                  <a:srgbClr val="0D0D0D"/>
-                </a:solidFill>
-                <a:effectLst/>
-                <a:highlight>
-                  <a:srgbClr val="FFFFFF"/>
-                </a:highlight>
-                <a:latin typeface="Söhne"/>
-              </a:rPr>
-              <a:t>: Processes and refines data.</a:t>
-            </a:r>
-          </a:p>
-          <a:p>
-            <a:pPr algn="l">
-              <a:buFont typeface="Arial" panose="020B0604020202020204" pitchFamily="34" charset="0"/>
-              <a:buChar char="•"/>
-            </a:pPr>
-            <a:r>
-              <a:rPr lang="en-GB" sz="2200" b="1" i="0" dirty="0">
-                <a:solidFill>
-                  <a:srgbClr val="0D0D0D"/>
-                </a:solidFill>
-                <a:effectLst/>
-                <a:highlight>
-                  <a:srgbClr val="FFFFFF"/>
-                </a:highlight>
-                <a:latin typeface="Söhne"/>
-              </a:rPr>
-              <a:t>Stream Analytics</a:t>
-            </a:r>
-            <a:r>
-              <a:rPr lang="en-GB" sz="2200" b="0" i="0" dirty="0">
-                <a:solidFill>
-                  <a:srgbClr val="0D0D0D"/>
-                </a:solidFill>
-                <a:effectLst/>
-                <a:highlight>
-                  <a:srgbClr val="FFFFFF"/>
-                </a:highlight>
-                <a:latin typeface="Söhne"/>
-              </a:rPr>
-              <a:t>: Streams and outputs data.</a:t>
+              <a:t>to enable processing  scalable and collaborative big data analytics using Apache Spark on Azure, facilitating ETL and real-time data processing.</a:t>
             </a:r>
           </a:p>
           <a:p>
@@ -3988,7 +3931,7 @@
                   <a:srgbClr val="008080"/>
                 </a:highlight>
               </a:rPr>
-              <a:t>Analytics → BI:</a:t>
+              <a:t>Analytics :</a:t>
             </a:r>
           </a:p>
           <a:p>
@@ -3997,31 +3940,43 @@
               <a:buChar char="•"/>
             </a:pPr>
             <a:r>
-              <a:rPr lang="en-GB" sz="2200" b="1" i="0" dirty="0">
+              <a:rPr lang="en-GB" sz="1600" dirty="0">
                 <a:solidFill>
                   <a:srgbClr val="0D0D0D"/>
                 </a:solidFill>
-                <a:effectLst/>
                 <a:highlight>
                   <a:srgbClr val="FFFFFF"/>
                 </a:highlight>
                 <a:latin typeface="Söhne"/>
               </a:rPr>
-              <a:t>Power BI</a:t>
-            </a:r>
-            <a:r>
-              <a:rPr lang="en-GB" sz="2200" b="0" i="0" dirty="0">
+              <a:t>Using </a:t>
+            </a:r>
+            <a:r>
+              <a:rPr lang="en-GB" sz="1600" b="1" dirty="0">
                 <a:solidFill>
                   <a:srgbClr val="0D0D0D"/>
                 </a:solidFill>
-                <a:effectLst/>
                 <a:highlight>
                   <a:srgbClr val="FFFFFF"/>
                 </a:highlight>
                 <a:latin typeface="Söhne"/>
               </a:rPr>
-              <a:t>: Visualizes insights from data.</a:t>
-            </a:r>
+              <a:t>Power BI </a:t>
+            </a:r>
+            <a:r>
+              <a:rPr lang="en-GB" sz="1600" dirty="0"/>
+              <a:t>to transforms data into actionable insights through interactive visualizations and reports.</a:t>
+            </a:r>
+            <a:endParaRPr lang="en-GB" sz="2200" i="0" dirty="0">
+              <a:solidFill>
+                <a:srgbClr val="0D0D0D"/>
+              </a:solidFill>
+              <a:effectLst/>
+              <a:highlight>
+                <a:srgbClr val="FFFFFF"/>
+              </a:highlight>
+              <a:latin typeface="Söhne"/>
+            </a:endParaRPr>
           </a:p>
           <a:p>
             <a:pPr marL="0" indent="0">
@@ -4109,7 +4064,7 @@
         <p:spPr/>
         <p:txBody>
           <a:bodyPr>
-            <a:normAutofit fontScale="55000" lnSpcReduction="20000"/>
+            <a:normAutofit/>
           </a:bodyPr>
           <a:lstStyle/>
           <a:p>
@@ -4117,7 +4072,7 @@
               <a:buNone/>
             </a:pPr>
             <a:r>
-              <a:rPr lang="en-GB" sz="4200" b="1" dirty="0">
+              <a:rPr lang="en-GB" b="1" dirty="0">
                 <a:solidFill>
                   <a:schemeClr val="bg2"/>
                 </a:solidFill>
@@ -4149,7 +4104,7 @@
               <a:buChar char="•"/>
             </a:pPr>
             <a:r>
-              <a:rPr lang="en-GB" sz="3600" b="1" i="0" dirty="0">
+              <a:rPr lang="en-GB" sz="1600" b="1" i="0" dirty="0">
                 <a:solidFill>
                   <a:srgbClr val="0D0D0D"/>
                 </a:solidFill>
@@ -4162,7 +4117,7 @@
               <a:t>Azure Data Factory</a:t>
             </a:r>
             <a:r>
-              <a:rPr lang="en-GB" sz="3600" b="0" i="0" dirty="0">
+              <a:rPr lang="en-GB" sz="1600" b="0" i="0" dirty="0">
                 <a:solidFill>
                   <a:srgbClr val="0D0D0D"/>
                 </a:solidFill>
@@ -4172,39 +4127,8 @@
                 </a:highlight>
                 <a:latin typeface="Söhne"/>
               </a:rPr>
-              <a:t>: </a:t>
-            </a:r>
-            <a:r>
-              <a:rPr lang="en-GB" sz="3200" b="0" i="0" dirty="0">
-                <a:solidFill>
-                  <a:srgbClr val="0D0D0D"/>
-                </a:solidFill>
-                <a:effectLst/>
-                <a:highlight>
-                  <a:srgbClr val="FFFFFF"/>
-                </a:highlight>
-                <a:latin typeface="Söhne"/>
-              </a:rPr>
-              <a:t>Connects to various sources via native connectors</a:t>
-            </a:r>
-            <a:r>
-              <a:rPr lang="en-GB" sz="2800" b="0" i="0" dirty="0">
-                <a:solidFill>
-                  <a:srgbClr val="0D0D0D"/>
-                </a:solidFill>
-                <a:effectLst/>
-                <a:highlight>
-                  <a:srgbClr val="FFFFFF"/>
-                </a:highlight>
-                <a:latin typeface="Söhne"/>
-              </a:rPr>
-              <a:t>.</a:t>
-            </a:r>
-          </a:p>
-          <a:p>
-            <a:pPr marL="0" indent="0" algn="l">
-              <a:buNone/>
-            </a:pPr>
+              <a:t>: enables data integration from diverse sources using built-in connectors.</a:t>
+            </a:r>
             <a:br>
               <a:rPr lang="en-GB" sz="2800" b="0" i="0" dirty="0">
                 <a:solidFill>
@@ -4233,7 +4157,7 @@
               <a:buNone/>
             </a:pPr>
             <a:r>
-              <a:rPr lang="en-GB" sz="3700" b="1" dirty="0">
+              <a:rPr lang="en-GB" b="1" dirty="0">
                 <a:solidFill>
                   <a:schemeClr val="bg2"/>
                 </a:solidFill>
@@ -4265,7 +4189,7 @@
               <a:buChar char="•"/>
             </a:pPr>
             <a:r>
-              <a:rPr lang="en-GB" sz="3600" b="1" i="0" dirty="0">
+              <a:rPr lang="en-GB" sz="1700" b="1" i="0" dirty="0">
                 <a:solidFill>
                   <a:srgbClr val="0D0D0D"/>
                 </a:solidFill>
@@ -4278,7 +4202,7 @@
               <a:t>Databricks</a:t>
             </a:r>
             <a:r>
-              <a:rPr lang="en-GB" sz="3600" b="0" i="0" dirty="0">
+              <a:rPr lang="en-GB" sz="1700" b="0" i="0" dirty="0">
                 <a:solidFill>
                   <a:srgbClr val="0D0D0D"/>
                 </a:solidFill>
@@ -4288,24 +4212,13 @@
                 </a:highlight>
                 <a:latin typeface="Söhne"/>
               </a:rPr>
-              <a:t>: </a:t>
-            </a:r>
-            <a:r>
-              <a:rPr lang="en-GB" sz="3200" b="0" i="0" dirty="0">
-                <a:solidFill>
-                  <a:srgbClr val="0D0D0D"/>
-                </a:solidFill>
-                <a:effectLst/>
-                <a:highlight>
-                  <a:srgbClr val="FFFFFF"/>
-                </a:highlight>
-                <a:latin typeface="Söhne"/>
-              </a:rPr>
-              <a:t>Utilizes Apache Spark for transformation rules and complex data processing.</a:t>
-            </a:r>
-          </a:p>
-          <a:p>
-            <a:pPr algn="l"/>
+              <a:t>: Complex data workloads and transformation logic are powered by Apache Spark within Databricks.</a:t>
+            </a:r>
+          </a:p>
+          <a:p>
+            <a:pPr marL="0" indent="0" algn="l">
+              <a:buNone/>
+            </a:pPr>
             <a:endParaRPr lang="en-GB" sz="3200" dirty="0">
               <a:solidFill>
                 <a:srgbClr val="0D0D0D"/>
@@ -4321,7 +4234,7 @@
               <a:buNone/>
             </a:pPr>
             <a:r>
-              <a:rPr lang="en-GB" sz="4200" b="1" dirty="0">
+              <a:rPr lang="en-GB" b="1" dirty="0">
                 <a:solidFill>
                   <a:schemeClr val="bg2"/>
                 </a:solidFill>
@@ -4353,7 +4266,7 @@
               <a:buChar char="•"/>
             </a:pPr>
             <a:r>
-              <a:rPr lang="en-GB" sz="3600" b="1" i="0" dirty="0">
+              <a:rPr lang="en-GB" sz="1700" i="0" dirty="0">
                 <a:solidFill>
                   <a:srgbClr val="0D0D0D"/>
                 </a:solidFill>
@@ -4363,10 +4276,10 @@
                 </a:highlight>
                 <a:latin typeface="Söhne"/>
               </a:rPr>
-              <a:t>ADF</a:t>
-            </a:r>
-            <a:r>
-              <a:rPr lang="en-GB" b="0" i="0" dirty="0">
+              <a:t>Data loading to various targets is automated by </a:t>
+            </a:r>
+            <a:r>
+              <a:rPr lang="en-GB" sz="1700" b="1" i="0" dirty="0">
                 <a:solidFill>
                   <a:srgbClr val="0D0D0D"/>
                 </a:solidFill>
@@ -4376,28 +4289,14 @@
                 </a:highlight>
                 <a:latin typeface="Söhne"/>
               </a:rPr>
-              <a:t>: </a:t>
-            </a:r>
-            <a:r>
-              <a:rPr lang="en-GB" sz="3600" b="0" i="0" dirty="0">
-                <a:solidFill>
-                  <a:srgbClr val="0D0D0D"/>
-                </a:solidFill>
-                <a:effectLst/>
-                <a:highlight>
-                  <a:srgbClr val="FFFFFF"/>
-                </a:highlight>
-                <a:latin typeface="Söhne"/>
-              </a:rPr>
-              <a:t>Automates the loading process into various targets.</a:t>
-            </a:r>
-          </a:p>
-          <a:p>
-            <a:pPr algn="l">
-              <a:buFont typeface="Arial" panose="020B0604020202020204" pitchFamily="34" charset="0"/>
-              <a:buChar char="•"/>
+              <a:t>Azure Data Factory</a:t>
+            </a:r>
+          </a:p>
+          <a:p>
+            <a:pPr marL="0" indent="0" algn="l">
+              <a:buNone/>
             </a:pPr>
-            <a:endParaRPr lang="en-GB" sz="2800" b="0" i="0" dirty="0">
+            <a:endParaRPr lang="en-GB" sz="2300" b="0" i="0" dirty="0">
               <a:solidFill>
                 <a:srgbClr val="0D0D0D"/>
               </a:solidFill>
@@ -4407,141 +4306,6 @@
               </a:highlight>
               <a:latin typeface="Söhne"/>
             </a:endParaRPr>
-          </a:p>
-          <a:p>
-            <a:pPr marL="0" indent="0">
-              <a:buNone/>
-            </a:pPr>
-            <a:r>
-              <a:rPr lang="en-GB" sz="4200" b="1" dirty="0">
-                <a:solidFill>
-                  <a:schemeClr val="bg2"/>
-                </a:solidFill>
-                <a:highlight>
-                  <a:srgbClr val="008080"/>
-                </a:highlight>
-                <a:latin typeface="+mn-lt"/>
-                <a:cs typeface="+mn-cs"/>
-              </a:rPr>
-              <a:t>Data</a:t>
-            </a:r>
-            <a:r>
-              <a:rPr lang="en-GB" sz="4200" i="1" dirty="0">
-                <a:solidFill>
-                  <a:schemeClr val="bg2"/>
-                </a:solidFill>
-                <a:highlight>
-                  <a:srgbClr val="008080"/>
-                </a:highlight>
-                <a:latin typeface="+mn-lt"/>
-                <a:cs typeface="+mn-cs"/>
-              </a:rPr>
-              <a:t> </a:t>
-            </a:r>
-            <a:r>
-              <a:rPr lang="en-GB" sz="4200" b="1" dirty="0">
-                <a:solidFill>
-                  <a:schemeClr val="bg2"/>
-                </a:solidFill>
-                <a:highlight>
-                  <a:srgbClr val="008080"/>
-                </a:highlight>
-                <a:latin typeface="+mn-lt"/>
-                <a:cs typeface="+mn-cs"/>
-              </a:rPr>
-              <a:t>Versatility</a:t>
-            </a:r>
-            <a:r>
-              <a:rPr lang="en-GB" sz="4200" i="1" dirty="0">
-                <a:solidFill>
-                  <a:schemeClr val="bg2"/>
-                </a:solidFill>
-                <a:highlight>
-                  <a:srgbClr val="008080"/>
-                </a:highlight>
-                <a:latin typeface="+mn-lt"/>
-                <a:cs typeface="+mn-cs"/>
-              </a:rPr>
-              <a:t>:</a:t>
-            </a:r>
-          </a:p>
-          <a:p>
-            <a:pPr algn="l">
-              <a:buFont typeface="Arial" panose="020B0604020202020204" pitchFamily="34" charset="0"/>
-              <a:buChar char="•"/>
-            </a:pPr>
-            <a:r>
-              <a:rPr lang="en-GB" sz="3600" b="1" i="0" dirty="0">
-                <a:solidFill>
-                  <a:srgbClr val="0D0D0D"/>
-                </a:solidFill>
-                <a:effectLst/>
-                <a:highlight>
-                  <a:srgbClr val="FFFFFF"/>
-                </a:highlight>
-                <a:latin typeface="Söhne"/>
-              </a:rPr>
-              <a:t>ADF</a:t>
-            </a:r>
-            <a:r>
-              <a:rPr lang="en-GB" sz="2800" b="0" i="0" dirty="0">
-                <a:solidFill>
-                  <a:srgbClr val="0D0D0D"/>
-                </a:solidFill>
-                <a:effectLst/>
-                <a:highlight>
-                  <a:srgbClr val="FFFFFF"/>
-                </a:highlight>
-                <a:latin typeface="Söhne"/>
-              </a:rPr>
-              <a:t>: </a:t>
-            </a:r>
-            <a:r>
-              <a:rPr lang="en-GB" sz="3600" b="0" i="0" dirty="0">
-                <a:solidFill>
-                  <a:srgbClr val="0D0D0D"/>
-                </a:solidFill>
-                <a:effectLst/>
-                <a:highlight>
-                  <a:srgbClr val="FFFFFF"/>
-                </a:highlight>
-                <a:latin typeface="Söhne"/>
-              </a:rPr>
-              <a:t>Handles structured and semi-structured data (JSON, CSV, Parquet).</a:t>
-            </a:r>
-          </a:p>
-          <a:p>
-            <a:pPr algn="l">
-              <a:buFont typeface="Arial" panose="020B0604020202020204" pitchFamily="34" charset="0"/>
-              <a:buChar char="•"/>
-            </a:pPr>
-            <a:r>
-              <a:rPr lang="en-GB" sz="3600" b="1" i="0" dirty="0">
-                <a:solidFill>
-                  <a:srgbClr val="0D0D0D"/>
-                </a:solidFill>
-                <a:effectLst/>
-                <a:highlight>
-                  <a:srgbClr val="FFFFFF"/>
-                </a:highlight>
-                <a:latin typeface="Söhne"/>
-              </a:rPr>
-              <a:t>Azure Blob Storage</a:t>
-            </a:r>
-            <a:r>
-              <a:rPr lang="en-GB" sz="3600" b="0" i="0" dirty="0">
-                <a:solidFill>
-                  <a:srgbClr val="0D0D0D"/>
-                </a:solidFill>
-                <a:effectLst/>
-                <a:highlight>
-                  <a:srgbClr val="FFFFFF"/>
-                </a:highlight>
-                <a:latin typeface="Söhne"/>
-              </a:rPr>
-              <a:t>: Stores unstructured data and integrates with other Azure services</a:t>
-            </a:r>
-            <a:endParaRPr lang="en-NL" sz="3600" dirty="0"/>
           </a:p>
         </p:txBody>
       </p:sp>
